--- a/spisochkiпрезентация.pptx
+++ b/spisochkiпрезентация.pptx
@@ -107,6 +107,11 @@
       </a:defRPr>
     </a:lvl9pPr>
   </p:defaultTextStyle>
+  <p:extLst>
+    <p:ext uri="{EFAFB233-063F-42B5-8137-9DF3F51BA10A}">
+      <p15:sldGuideLst xmlns:p15="http://schemas.microsoft.com/office/powerpoint/2012/main"/>
+    </p:ext>
+  </p:extLst>
 </p:presentation>
 </file>
 
@@ -156,7 +161,7 @@
           </a:lstStyle>
           <a:p>
             <a:r>
-              <a:rPr lang="ru-RU" smtClean="0"/>
+              <a:rPr lang="ru-RU"/>
               <a:t>Образец заголовка</a:t>
             </a:r>
             <a:endParaRPr lang="en-US" dirty="0"/>
@@ -277,7 +282,7 @@
           </a:lstStyle>
           <a:p>
             <a:r>
-              <a:rPr lang="ru-RU" smtClean="0"/>
+              <a:rPr lang="ru-RU"/>
               <a:t>Образец подзаголовка</a:t>
             </a:r>
             <a:endParaRPr lang="en-US" dirty="0"/>
@@ -301,7 +306,7 @@
           <a:p>
             <a:fld id="{78132808-A6E9-430E-9E13-26A953075D35}" type="datetimeFigureOut">
               <a:rPr lang="ru-RU" smtClean="0"/>
-              <a:t>14.05.2025</a:t>
+              <a:t>15.05.2025</a:t>
             </a:fld>
             <a:endParaRPr lang="ru-RU"/>
           </a:p>
@@ -570,7 +575,7 @@
           <a:lstStyle/>
           <a:p>
             <a:r>
-              <a:rPr lang="ru-RU" smtClean="0"/>
+              <a:rPr lang="ru-RU"/>
               <a:t>Образец заголовка</a:t>
             </a:r>
             <a:endParaRPr lang="en-US" dirty="0"/>
@@ -657,7 +662,7 @@
           </a:lstStyle>
           <a:p>
             <a:r>
-              <a:rPr lang="ru-RU" smtClean="0"/>
+              <a:rPr lang="ru-RU"/>
               <a:t>Вставка рисунка</a:t>
             </a:r>
             <a:endParaRPr lang="en-US" dirty="0"/>
@@ -714,7 +719,7 @@
           <a:p>
             <a:pPr lvl="0"/>
             <a:r>
-              <a:rPr lang="ru-RU" smtClean="0"/>
+              <a:rPr lang="ru-RU"/>
               <a:t>Образец текста</a:t>
             </a:r>
           </a:p>
@@ -737,7 +742,7 @@
           <a:p>
             <a:fld id="{78132808-A6E9-430E-9E13-26A953075D35}" type="datetimeFigureOut">
               <a:rPr lang="ru-RU" smtClean="0"/>
-              <a:t>14.05.2025</a:t>
+              <a:t>15.05.2025</a:t>
             </a:fld>
             <a:endParaRPr lang="ru-RU"/>
           </a:p>
@@ -842,7 +847,7 @@
           </a:lstStyle>
           <a:p>
             <a:r>
-              <a:rPr lang="ru-RU" smtClean="0"/>
+              <a:rPr lang="ru-RU"/>
               <a:t>Образец заголовка</a:t>
             </a:r>
             <a:endParaRPr lang="en-US" dirty="0"/>
@@ -964,7 +969,7 @@
           <a:p>
             <a:pPr lvl="0"/>
             <a:r>
-              <a:rPr lang="ru-RU" smtClean="0"/>
+              <a:rPr lang="ru-RU"/>
               <a:t>Образец текста</a:t>
             </a:r>
           </a:p>
@@ -987,7 +992,7 @@
           <a:p>
             <a:fld id="{78132808-A6E9-430E-9E13-26A953075D35}" type="datetimeFigureOut">
               <a:rPr lang="ru-RU" smtClean="0"/>
-              <a:t>14.05.2025</a:t>
+              <a:t>15.05.2025</a:t>
             </a:fld>
             <a:endParaRPr lang="ru-RU"/>
           </a:p>
@@ -1096,7 +1101,7 @@
           </a:lstStyle>
           <a:p>
             <a:r>
-              <a:rPr lang="ru-RU" smtClean="0"/>
+              <a:rPr lang="ru-RU"/>
               <a:t>Образец заголовка</a:t>
             </a:r>
             <a:endParaRPr lang="en-US" dirty="0"/>
@@ -1151,7 +1156,7 @@
           <a:p>
             <a:pPr lvl="0"/>
             <a:r>
-              <a:rPr lang="ru-RU" smtClean="0"/>
+              <a:rPr lang="ru-RU"/>
               <a:t>Образец текста</a:t>
             </a:r>
           </a:p>
@@ -1272,7 +1277,7 @@
           <a:p>
             <a:pPr lvl="0"/>
             <a:r>
-              <a:rPr lang="ru-RU" smtClean="0"/>
+              <a:rPr lang="ru-RU"/>
               <a:t>Образец текста</a:t>
             </a:r>
           </a:p>
@@ -1295,7 +1300,7 @@
           <a:p>
             <a:fld id="{78132808-A6E9-430E-9E13-26A953075D35}" type="datetimeFigureOut">
               <a:rPr lang="ru-RU" smtClean="0"/>
-              <a:t>14.05.2025</a:t>
+              <a:t>15.05.2025</a:t>
             </a:fld>
             <a:endParaRPr lang="ru-RU"/>
           </a:p>
@@ -1468,7 +1473,7 @@
           </a:lstStyle>
           <a:p>
             <a:r>
-              <a:rPr lang="ru-RU" smtClean="0"/>
+              <a:rPr lang="ru-RU"/>
               <a:t>Образец заголовка</a:t>
             </a:r>
             <a:endParaRPr lang="en-US" dirty="0"/>
@@ -1590,7 +1595,7 @@
           <a:p>
             <a:pPr lvl="0"/>
             <a:r>
-              <a:rPr lang="ru-RU" smtClean="0"/>
+              <a:rPr lang="ru-RU"/>
               <a:t>Образец текста</a:t>
             </a:r>
           </a:p>
@@ -1613,7 +1618,7 @@
           <a:p>
             <a:fld id="{78132808-A6E9-430E-9E13-26A953075D35}" type="datetimeFigureOut">
               <a:rPr lang="ru-RU" smtClean="0"/>
-              <a:t>14.05.2025</a:t>
+              <a:t>15.05.2025</a:t>
             </a:fld>
             <a:endParaRPr lang="ru-RU"/>
           </a:p>
@@ -1722,7 +1727,7 @@
           </a:lstStyle>
           <a:p>
             <a:r>
-              <a:rPr lang="ru-RU" smtClean="0"/>
+              <a:rPr lang="ru-RU"/>
               <a:t>Образец заголовка</a:t>
             </a:r>
             <a:endParaRPr lang="en-US" dirty="0"/>
@@ -1771,7 +1776,7 @@
               <a:buNone/>
             </a:pPr>
             <a:r>
-              <a:rPr lang="ru-RU" smtClean="0"/>
+              <a:rPr lang="ru-RU"/>
               <a:t>Образец текста</a:t>
             </a:r>
           </a:p>
@@ -1892,7 +1897,7 @@
           <a:p>
             <a:pPr lvl="0"/>
             <a:r>
-              <a:rPr lang="ru-RU" smtClean="0"/>
+              <a:rPr lang="ru-RU"/>
               <a:t>Образец текста</a:t>
             </a:r>
           </a:p>
@@ -1915,7 +1920,7 @@
           <a:p>
             <a:fld id="{78132808-A6E9-430E-9E13-26A953075D35}" type="datetimeFigureOut">
               <a:rPr lang="ru-RU" smtClean="0"/>
-              <a:t>14.05.2025</a:t>
+              <a:t>15.05.2025</a:t>
             </a:fld>
             <a:endParaRPr lang="ru-RU"/>
           </a:p>
@@ -2089,7 +2094,7 @@
           <a:p>
             <a:pPr marL="0" lvl="0"/>
             <a:r>
-              <a:rPr lang="ru-RU" smtClean="0"/>
+              <a:rPr lang="ru-RU"/>
               <a:t>Образец заголовка</a:t>
             </a:r>
             <a:endParaRPr lang="en-US" dirty="0"/>
@@ -2138,7 +2143,7 @@
               <a:buNone/>
             </a:pPr>
             <a:r>
-              <a:rPr lang="ru-RU" smtClean="0"/>
+              <a:rPr lang="ru-RU"/>
               <a:t>Образец текста</a:t>
             </a:r>
           </a:p>
@@ -2259,7 +2264,7 @@
           <a:p>
             <a:pPr lvl="0"/>
             <a:r>
-              <a:rPr lang="ru-RU" smtClean="0"/>
+              <a:rPr lang="ru-RU"/>
               <a:t>Образец текста</a:t>
             </a:r>
           </a:p>
@@ -2282,7 +2287,7 @@
           <a:p>
             <a:fld id="{78132808-A6E9-430E-9E13-26A953075D35}" type="datetimeFigureOut">
               <a:rPr lang="ru-RU" smtClean="0"/>
-              <a:t>14.05.2025</a:t>
+              <a:t>15.05.2025</a:t>
             </a:fld>
             <a:endParaRPr lang="ru-RU"/>
           </a:p>
@@ -2380,7 +2385,7 @@
           </a:lstStyle>
           <a:p>
             <a:r>
-              <a:rPr lang="ru-RU" smtClean="0"/>
+              <a:rPr lang="ru-RU"/>
               <a:t>Образец заголовка</a:t>
             </a:r>
             <a:endParaRPr lang="en-US" dirty="0"/>
@@ -2404,35 +2409,35 @@
           <a:p>
             <a:pPr lvl="0"/>
             <a:r>
-              <a:rPr lang="ru-RU" smtClean="0"/>
+              <a:rPr lang="ru-RU"/>
               <a:t>Образец текста</a:t>
             </a:r>
           </a:p>
           <a:p>
             <a:pPr lvl="1"/>
             <a:r>
-              <a:rPr lang="ru-RU" smtClean="0"/>
+              <a:rPr lang="ru-RU"/>
               <a:t>Второй уровень</a:t>
             </a:r>
           </a:p>
           <a:p>
             <a:pPr lvl="2"/>
             <a:r>
-              <a:rPr lang="ru-RU" smtClean="0"/>
+              <a:rPr lang="ru-RU"/>
               <a:t>Третий уровень</a:t>
             </a:r>
           </a:p>
           <a:p>
             <a:pPr lvl="3"/>
             <a:r>
-              <a:rPr lang="ru-RU" smtClean="0"/>
+              <a:rPr lang="ru-RU"/>
               <a:t>Четвертый уровень</a:t>
             </a:r>
           </a:p>
           <a:p>
             <a:pPr lvl="4"/>
             <a:r>
-              <a:rPr lang="ru-RU" smtClean="0"/>
+              <a:rPr lang="ru-RU"/>
               <a:t>Пятый уровень</a:t>
             </a:r>
             <a:endParaRPr lang="en-US" dirty="0"/>
@@ -2456,7 +2461,7 @@
           <a:p>
             <a:fld id="{78132808-A6E9-430E-9E13-26A953075D35}" type="datetimeFigureOut">
               <a:rPr lang="ru-RU" smtClean="0"/>
-              <a:t>14.05.2025</a:t>
+              <a:t>15.05.2025</a:t>
             </a:fld>
             <a:endParaRPr lang="ru-RU"/>
           </a:p>
@@ -2555,7 +2560,7 @@
           <a:lstStyle/>
           <a:p>
             <a:r>
-              <a:rPr lang="ru-RU" smtClean="0"/>
+              <a:rPr lang="ru-RU"/>
               <a:t>Образец заголовка</a:t>
             </a:r>
             <a:endParaRPr lang="en-US" dirty="0"/>
@@ -2584,35 +2589,35 @@
           <a:p>
             <a:pPr lvl="0"/>
             <a:r>
-              <a:rPr lang="ru-RU" smtClean="0"/>
+              <a:rPr lang="ru-RU"/>
               <a:t>Образец текста</a:t>
             </a:r>
           </a:p>
           <a:p>
             <a:pPr lvl="1"/>
             <a:r>
-              <a:rPr lang="ru-RU" smtClean="0"/>
+              <a:rPr lang="ru-RU"/>
               <a:t>Второй уровень</a:t>
             </a:r>
           </a:p>
           <a:p>
             <a:pPr lvl="2"/>
             <a:r>
-              <a:rPr lang="ru-RU" smtClean="0"/>
+              <a:rPr lang="ru-RU"/>
               <a:t>Третий уровень</a:t>
             </a:r>
           </a:p>
           <a:p>
             <a:pPr lvl="3"/>
             <a:r>
-              <a:rPr lang="ru-RU" smtClean="0"/>
+              <a:rPr lang="ru-RU"/>
               <a:t>Четвертый уровень</a:t>
             </a:r>
           </a:p>
           <a:p>
             <a:pPr lvl="4"/>
             <a:r>
-              <a:rPr lang="ru-RU" smtClean="0"/>
+              <a:rPr lang="ru-RU"/>
               <a:t>Пятый уровень</a:t>
             </a:r>
             <a:endParaRPr lang="en-US" dirty="0"/>
@@ -2636,7 +2641,7 @@
           <a:p>
             <a:fld id="{78132808-A6E9-430E-9E13-26A953075D35}" type="datetimeFigureOut">
               <a:rPr lang="ru-RU" smtClean="0"/>
-              <a:t>14.05.2025</a:t>
+              <a:t>15.05.2025</a:t>
             </a:fld>
             <a:endParaRPr lang="ru-RU"/>
           </a:p>
@@ -2730,7 +2735,7 @@
           <a:lstStyle/>
           <a:p>
             <a:r>
-              <a:rPr lang="ru-RU" smtClean="0"/>
+              <a:rPr lang="ru-RU"/>
               <a:t>Образец заголовка</a:t>
             </a:r>
             <a:endParaRPr lang="en-US" dirty="0"/>
@@ -2754,35 +2759,35 @@
           <a:p>
             <a:pPr lvl="0"/>
             <a:r>
-              <a:rPr lang="ru-RU" smtClean="0"/>
+              <a:rPr lang="ru-RU"/>
               <a:t>Образец текста</a:t>
             </a:r>
           </a:p>
           <a:p>
             <a:pPr lvl="1"/>
             <a:r>
-              <a:rPr lang="ru-RU" smtClean="0"/>
+              <a:rPr lang="ru-RU"/>
               <a:t>Второй уровень</a:t>
             </a:r>
           </a:p>
           <a:p>
             <a:pPr lvl="2"/>
             <a:r>
-              <a:rPr lang="ru-RU" smtClean="0"/>
+              <a:rPr lang="ru-RU"/>
               <a:t>Третий уровень</a:t>
             </a:r>
           </a:p>
           <a:p>
             <a:pPr lvl="3"/>
             <a:r>
-              <a:rPr lang="ru-RU" smtClean="0"/>
+              <a:rPr lang="ru-RU"/>
               <a:t>Четвертый уровень</a:t>
             </a:r>
           </a:p>
           <a:p>
             <a:pPr lvl="4"/>
             <a:r>
-              <a:rPr lang="ru-RU" smtClean="0"/>
+              <a:rPr lang="ru-RU"/>
               <a:t>Пятый уровень</a:t>
             </a:r>
             <a:endParaRPr lang="en-US" dirty="0"/>
@@ -2806,7 +2811,7 @@
           <a:p>
             <a:fld id="{78132808-A6E9-430E-9E13-26A953075D35}" type="datetimeFigureOut">
               <a:rPr lang="ru-RU" smtClean="0"/>
-              <a:t>14.05.2025</a:t>
+              <a:t>15.05.2025</a:t>
             </a:fld>
             <a:endParaRPr lang="ru-RU"/>
           </a:p>
@@ -2911,7 +2916,7 @@
           </a:lstStyle>
           <a:p>
             <a:r>
-              <a:rPr lang="ru-RU" smtClean="0"/>
+              <a:rPr lang="ru-RU"/>
               <a:t>Образец заголовка</a:t>
             </a:r>
             <a:endParaRPr lang="en-US" dirty="0"/>
@@ -3033,7 +3038,7 @@
           <a:p>
             <a:pPr lvl="0"/>
             <a:r>
-              <a:rPr lang="ru-RU" smtClean="0"/>
+              <a:rPr lang="ru-RU"/>
               <a:t>Образец текста</a:t>
             </a:r>
           </a:p>
@@ -3056,7 +3061,7 @@
           <a:p>
             <a:fld id="{78132808-A6E9-430E-9E13-26A953075D35}" type="datetimeFigureOut">
               <a:rPr lang="ru-RU" smtClean="0"/>
-              <a:t>14.05.2025</a:t>
+              <a:t>15.05.2025</a:t>
             </a:fld>
             <a:endParaRPr lang="ru-RU"/>
           </a:p>
@@ -3150,7 +3155,7 @@
           <a:lstStyle/>
           <a:p>
             <a:r>
-              <a:rPr lang="ru-RU" smtClean="0"/>
+              <a:rPr lang="ru-RU"/>
               <a:t>Образец заголовка</a:t>
             </a:r>
             <a:endParaRPr lang="en-US" dirty="0"/>
@@ -3181,35 +3186,35 @@
           <a:p>
             <a:pPr lvl="0"/>
             <a:r>
-              <a:rPr lang="ru-RU" smtClean="0"/>
+              <a:rPr lang="ru-RU"/>
               <a:t>Образец текста</a:t>
             </a:r>
           </a:p>
           <a:p>
             <a:pPr lvl="1"/>
             <a:r>
-              <a:rPr lang="ru-RU" smtClean="0"/>
+              <a:rPr lang="ru-RU"/>
               <a:t>Второй уровень</a:t>
             </a:r>
           </a:p>
           <a:p>
             <a:pPr lvl="2"/>
             <a:r>
-              <a:rPr lang="ru-RU" smtClean="0"/>
+              <a:rPr lang="ru-RU"/>
               <a:t>Третий уровень</a:t>
             </a:r>
           </a:p>
           <a:p>
             <a:pPr lvl="3"/>
             <a:r>
-              <a:rPr lang="ru-RU" smtClean="0"/>
+              <a:rPr lang="ru-RU"/>
               <a:t>Четвертый уровень</a:t>
             </a:r>
           </a:p>
           <a:p>
             <a:pPr lvl="4"/>
             <a:r>
-              <a:rPr lang="ru-RU" smtClean="0"/>
+              <a:rPr lang="ru-RU"/>
               <a:t>Пятый уровень</a:t>
             </a:r>
             <a:endParaRPr lang="en-US" dirty="0"/>
@@ -3240,35 +3245,35 @@
           <a:p>
             <a:pPr lvl="0"/>
             <a:r>
-              <a:rPr lang="ru-RU" smtClean="0"/>
+              <a:rPr lang="ru-RU"/>
               <a:t>Образец текста</a:t>
             </a:r>
           </a:p>
           <a:p>
             <a:pPr lvl="1"/>
             <a:r>
-              <a:rPr lang="ru-RU" smtClean="0"/>
+              <a:rPr lang="ru-RU"/>
               <a:t>Второй уровень</a:t>
             </a:r>
           </a:p>
           <a:p>
             <a:pPr lvl="2"/>
             <a:r>
-              <a:rPr lang="ru-RU" smtClean="0"/>
+              <a:rPr lang="ru-RU"/>
               <a:t>Третий уровень</a:t>
             </a:r>
           </a:p>
           <a:p>
             <a:pPr lvl="3"/>
             <a:r>
-              <a:rPr lang="ru-RU" smtClean="0"/>
+              <a:rPr lang="ru-RU"/>
               <a:t>Четвертый уровень</a:t>
             </a:r>
           </a:p>
           <a:p>
             <a:pPr lvl="4"/>
             <a:r>
-              <a:rPr lang="ru-RU" smtClean="0"/>
+              <a:rPr lang="ru-RU"/>
               <a:t>Пятый уровень</a:t>
             </a:r>
             <a:endParaRPr lang="en-US" dirty="0"/>
@@ -3292,7 +3297,7 @@
           <a:p>
             <a:fld id="{78132808-A6E9-430E-9E13-26A953075D35}" type="datetimeFigureOut">
               <a:rPr lang="ru-RU" smtClean="0"/>
-              <a:t>14.05.2025</a:t>
+              <a:t>15.05.2025</a:t>
             </a:fld>
             <a:endParaRPr lang="ru-RU"/>
           </a:p>
@@ -3390,7 +3395,7 @@
           </a:lstStyle>
           <a:p>
             <a:r>
-              <a:rPr lang="ru-RU" smtClean="0"/>
+              <a:rPr lang="ru-RU"/>
               <a:t>Образец заголовка</a:t>
             </a:r>
             <a:endParaRPr lang="en-US" dirty="0"/>
@@ -3462,7 +3467,7 @@
           <a:p>
             <a:pPr lvl="0"/>
             <a:r>
-              <a:rPr lang="ru-RU" smtClean="0"/>
+              <a:rPr lang="ru-RU"/>
               <a:t>Образец текста</a:t>
             </a:r>
           </a:p>
@@ -3492,35 +3497,35 @@
           <a:p>
             <a:pPr lvl="0"/>
             <a:r>
-              <a:rPr lang="ru-RU" smtClean="0"/>
+              <a:rPr lang="ru-RU"/>
               <a:t>Образец текста</a:t>
             </a:r>
           </a:p>
           <a:p>
             <a:pPr lvl="1"/>
             <a:r>
-              <a:rPr lang="ru-RU" smtClean="0"/>
+              <a:rPr lang="ru-RU"/>
               <a:t>Второй уровень</a:t>
             </a:r>
           </a:p>
           <a:p>
             <a:pPr lvl="2"/>
             <a:r>
-              <a:rPr lang="ru-RU" smtClean="0"/>
+              <a:rPr lang="ru-RU"/>
               <a:t>Третий уровень</a:t>
             </a:r>
           </a:p>
           <a:p>
             <a:pPr lvl="3"/>
             <a:r>
-              <a:rPr lang="ru-RU" smtClean="0"/>
+              <a:rPr lang="ru-RU"/>
               <a:t>Четвертый уровень</a:t>
             </a:r>
           </a:p>
           <a:p>
             <a:pPr lvl="4"/>
             <a:r>
-              <a:rPr lang="ru-RU" smtClean="0"/>
+              <a:rPr lang="ru-RU"/>
               <a:t>Пятый уровень</a:t>
             </a:r>
             <a:endParaRPr lang="en-US" dirty="0"/>
@@ -3592,7 +3597,7 @@
           <a:p>
             <a:pPr lvl="0"/>
             <a:r>
-              <a:rPr lang="ru-RU" smtClean="0"/>
+              <a:rPr lang="ru-RU"/>
               <a:t>Образец текста</a:t>
             </a:r>
           </a:p>
@@ -3622,35 +3627,35 @@
           <a:p>
             <a:pPr lvl="0"/>
             <a:r>
-              <a:rPr lang="ru-RU" smtClean="0"/>
+              <a:rPr lang="ru-RU"/>
               <a:t>Образец текста</a:t>
             </a:r>
           </a:p>
           <a:p>
             <a:pPr lvl="1"/>
             <a:r>
-              <a:rPr lang="ru-RU" smtClean="0"/>
+              <a:rPr lang="ru-RU"/>
               <a:t>Второй уровень</a:t>
             </a:r>
           </a:p>
           <a:p>
             <a:pPr lvl="2"/>
             <a:r>
-              <a:rPr lang="ru-RU" smtClean="0"/>
+              <a:rPr lang="ru-RU"/>
               <a:t>Третий уровень</a:t>
             </a:r>
           </a:p>
           <a:p>
             <a:pPr lvl="3"/>
             <a:r>
-              <a:rPr lang="ru-RU" smtClean="0"/>
+              <a:rPr lang="ru-RU"/>
               <a:t>Четвертый уровень</a:t>
             </a:r>
           </a:p>
           <a:p>
             <a:pPr lvl="4"/>
             <a:r>
-              <a:rPr lang="ru-RU" smtClean="0"/>
+              <a:rPr lang="ru-RU"/>
               <a:t>Пятый уровень</a:t>
             </a:r>
             <a:endParaRPr lang="en-US" dirty="0"/>
@@ -3674,7 +3679,7 @@
           <a:p>
             <a:fld id="{78132808-A6E9-430E-9E13-26A953075D35}" type="datetimeFigureOut">
               <a:rPr lang="ru-RU" smtClean="0"/>
-              <a:t>14.05.2025</a:t>
+              <a:t>15.05.2025</a:t>
             </a:fld>
             <a:endParaRPr lang="ru-RU"/>
           </a:p>
@@ -3768,7 +3773,7 @@
           <a:lstStyle/>
           <a:p>
             <a:r>
-              <a:rPr lang="ru-RU" smtClean="0"/>
+              <a:rPr lang="ru-RU"/>
               <a:t>Образец заголовка</a:t>
             </a:r>
             <a:endParaRPr lang="en-US" dirty="0"/>
@@ -3792,7 +3797,7 @@
           <a:p>
             <a:fld id="{78132808-A6E9-430E-9E13-26A953075D35}" type="datetimeFigureOut">
               <a:rPr lang="ru-RU" smtClean="0"/>
-              <a:t>14.05.2025</a:t>
+              <a:t>15.05.2025</a:t>
             </a:fld>
             <a:endParaRPr lang="ru-RU"/>
           </a:p>
@@ -3887,7 +3892,7 @@
           <a:p>
             <a:fld id="{78132808-A6E9-430E-9E13-26A953075D35}" type="datetimeFigureOut">
               <a:rPr lang="ru-RU" smtClean="0"/>
-              <a:t>14.05.2025</a:t>
+              <a:t>15.05.2025</a:t>
             </a:fld>
             <a:endParaRPr lang="ru-RU"/>
           </a:p>
@@ -3992,7 +3997,7 @@
           </a:lstStyle>
           <a:p>
             <a:r>
-              <a:rPr lang="ru-RU" smtClean="0"/>
+              <a:rPr lang="ru-RU"/>
               <a:t>Образец заголовка</a:t>
             </a:r>
             <a:endParaRPr lang="en-US" dirty="0"/>
@@ -4023,35 +4028,35 @@
           <a:p>
             <a:pPr lvl="0"/>
             <a:r>
-              <a:rPr lang="ru-RU" smtClean="0"/>
+              <a:rPr lang="ru-RU"/>
               <a:t>Образец текста</a:t>
             </a:r>
           </a:p>
           <a:p>
             <a:pPr lvl="1"/>
             <a:r>
-              <a:rPr lang="ru-RU" smtClean="0"/>
+              <a:rPr lang="ru-RU"/>
               <a:t>Второй уровень</a:t>
             </a:r>
           </a:p>
           <a:p>
             <a:pPr lvl="2"/>
             <a:r>
-              <a:rPr lang="ru-RU" smtClean="0"/>
+              <a:rPr lang="ru-RU"/>
               <a:t>Третий уровень</a:t>
             </a:r>
           </a:p>
           <a:p>
             <a:pPr lvl="3"/>
             <a:r>
-              <a:rPr lang="ru-RU" smtClean="0"/>
+              <a:rPr lang="ru-RU"/>
               <a:t>Четвертый уровень</a:t>
             </a:r>
           </a:p>
           <a:p>
             <a:pPr lvl="4"/>
             <a:r>
-              <a:rPr lang="ru-RU" smtClean="0"/>
+              <a:rPr lang="ru-RU"/>
               <a:t>Пятый уровень</a:t>
             </a:r>
             <a:endParaRPr lang="en-US" dirty="0"/>
@@ -4119,7 +4124,7 @@
           <a:p>
             <a:pPr lvl="0"/>
             <a:r>
-              <a:rPr lang="ru-RU" smtClean="0"/>
+              <a:rPr lang="ru-RU"/>
               <a:t>Образец текста</a:t>
             </a:r>
           </a:p>
@@ -4142,7 +4147,7 @@
           <a:p>
             <a:fld id="{78132808-A6E9-430E-9E13-26A953075D35}" type="datetimeFigureOut">
               <a:rPr lang="ru-RU" smtClean="0"/>
-              <a:t>14.05.2025</a:t>
+              <a:t>15.05.2025</a:t>
             </a:fld>
             <a:endParaRPr lang="ru-RU"/>
           </a:p>
@@ -4247,7 +4252,7 @@
           </a:lstStyle>
           <a:p>
             <a:r>
-              <a:rPr lang="ru-RU" smtClean="0"/>
+              <a:rPr lang="ru-RU"/>
               <a:t>Образец заголовка</a:t>
             </a:r>
             <a:endParaRPr lang="en-US" dirty="0"/>
@@ -4334,7 +4339,7 @@
           </a:lstStyle>
           <a:p>
             <a:r>
-              <a:rPr lang="ru-RU" smtClean="0"/>
+              <a:rPr lang="ru-RU"/>
               <a:t>Вставка рисунка</a:t>
             </a:r>
             <a:endParaRPr lang="en-US" dirty="0"/>
@@ -4402,7 +4407,7 @@
           <a:p>
             <a:pPr lvl="0"/>
             <a:r>
-              <a:rPr lang="ru-RU" smtClean="0"/>
+              <a:rPr lang="ru-RU"/>
               <a:t>Образец текста</a:t>
             </a:r>
           </a:p>
@@ -4425,7 +4430,7 @@
           <a:p>
             <a:fld id="{78132808-A6E9-430E-9E13-26A953075D35}" type="datetimeFigureOut">
               <a:rPr lang="ru-RU" smtClean="0"/>
-              <a:t>14.05.2025</a:t>
+              <a:t>15.05.2025</a:t>
             </a:fld>
             <a:endParaRPr lang="ru-RU"/>
           </a:p>
@@ -4725,7 +4730,7 @@
           <a:lstStyle/>
           <a:p>
             <a:r>
-              <a:rPr lang="ru-RU" smtClean="0"/>
+              <a:rPr lang="ru-RU"/>
               <a:t>Образец заголовка</a:t>
             </a:r>
             <a:endParaRPr lang="en-US" dirty="0"/>
@@ -4759,35 +4764,35 @@
           <a:p>
             <a:pPr lvl="0"/>
             <a:r>
-              <a:rPr lang="ru-RU" smtClean="0"/>
+              <a:rPr lang="ru-RU"/>
               <a:t>Образец текста</a:t>
             </a:r>
           </a:p>
           <a:p>
             <a:pPr lvl="1"/>
             <a:r>
-              <a:rPr lang="ru-RU" smtClean="0"/>
+              <a:rPr lang="ru-RU"/>
               <a:t>Второй уровень</a:t>
             </a:r>
           </a:p>
           <a:p>
             <a:pPr lvl="2"/>
             <a:r>
-              <a:rPr lang="ru-RU" smtClean="0"/>
+              <a:rPr lang="ru-RU"/>
               <a:t>Третий уровень</a:t>
             </a:r>
           </a:p>
           <a:p>
             <a:pPr lvl="3"/>
             <a:r>
-              <a:rPr lang="ru-RU" smtClean="0"/>
+              <a:rPr lang="ru-RU"/>
               <a:t>Четвертый уровень</a:t>
             </a:r>
           </a:p>
           <a:p>
             <a:pPr lvl="4"/>
             <a:r>
-              <a:rPr lang="ru-RU" smtClean="0"/>
+              <a:rPr lang="ru-RU"/>
               <a:t>Пятый уровень</a:t>
             </a:r>
             <a:endParaRPr lang="en-US" dirty="0"/>
@@ -4831,7 +4836,7 @@
           <a:p>
             <a:fld id="{78132808-A6E9-430E-9E13-26A953075D35}" type="datetimeFigureOut">
               <a:rPr lang="ru-RU" smtClean="0"/>
-              <a:t>14.05.2025</a:t>
+              <a:t>15.05.2025</a:t>
             </a:fld>
             <a:endParaRPr lang="ru-RU"/>
           </a:p>
@@ -5376,16 +5381,35 @@
             <p:ph type="ctrTitle"/>
           </p:nvPr>
         </p:nvSpPr>
-        <p:spPr/>
-        <p:txBody>
-          <a:bodyPr/>
-          <a:lstStyle/>
-          <a:p>
-            <a:r>
-              <a:rPr lang="en-US" dirty="0" err="1" smtClean="0"/>
+        <p:spPr>
+          <a:xfrm>
+            <a:off x="684212" y="685800"/>
+            <a:ext cx="8001000" cy="1744250"/>
+          </a:xfrm>
+        </p:spPr>
+        <p:txBody>
+          <a:bodyPr>
+            <a:normAutofit/>
+          </a:bodyPr>
+          <a:lstStyle/>
+          <a:p>
+            <a:r>
+              <a:rPr lang="en-US" sz="9600" b="1" dirty="0" err="1">
+                <a:solidFill>
+                  <a:schemeClr val="accent6">
+                    <a:lumMod val="75000"/>
+                  </a:schemeClr>
+                </a:solidFill>
+              </a:rPr>
               <a:t>spisochki</a:t>
             </a:r>
-            <a:endParaRPr lang="ru-RU" dirty="0"/>
+            <a:endParaRPr lang="ru-RU" sz="9600" b="1" dirty="0">
+              <a:solidFill>
+                <a:schemeClr val="accent6">
+                  <a:lumMod val="75000"/>
+                </a:schemeClr>
+              </a:solidFill>
+            </a:endParaRPr>
           </a:p>
         </p:txBody>
       </p:sp>
@@ -5399,28 +5423,50 @@
             <p:ph type="subTitle" idx="1"/>
           </p:nvPr>
         </p:nvSpPr>
-        <p:spPr/>
-        <p:txBody>
-          <a:bodyPr/>
-          <a:lstStyle/>
-          <a:p>
-            <a:r>
-              <a:rPr lang="ru-RU" dirty="0" smtClean="0"/>
+        <p:spPr>
+          <a:xfrm>
+            <a:off x="684212" y="2653894"/>
+            <a:ext cx="6400800" cy="1947333"/>
+          </a:xfrm>
+        </p:spPr>
+        <p:txBody>
+          <a:bodyPr>
+            <a:normAutofit/>
+          </a:bodyPr>
+          <a:lstStyle/>
+          <a:p>
+            <a:r>
+              <a:rPr lang="ru-RU" sz="3200" dirty="0">
+                <a:solidFill>
+                  <a:schemeClr val="tx1"/>
+                </a:solidFill>
+              </a:rPr>
               <a:t>Авторы</a:t>
             </a:r>
             <a:r>
-              <a:rPr lang="en-US" dirty="0" smtClean="0"/>
+              <a:rPr lang="en-US" sz="3200" dirty="0">
+                <a:solidFill>
+                  <a:schemeClr val="tx1"/>
+                </a:solidFill>
+              </a:rPr>
               <a:t>: </a:t>
             </a:r>
             <a:r>
-              <a:rPr lang="ru-RU" dirty="0" err="1" smtClean="0"/>
+              <a:rPr lang="ru-RU" sz="3200" dirty="0" err="1">
+                <a:solidFill>
+                  <a:schemeClr val="tx1"/>
+                </a:solidFill>
+              </a:rPr>
               <a:t>Стройков</a:t>
             </a:r>
             <a:r>
-              <a:rPr lang="ru-RU" dirty="0" smtClean="0"/>
+              <a:rPr lang="ru-RU" sz="3200" dirty="0">
+                <a:solidFill>
+                  <a:schemeClr val="tx1"/>
+                </a:solidFill>
+              </a:rPr>
               <a:t> Арсений и Щелкунов Тимофей</a:t>
             </a:r>
-            <a:endParaRPr lang="ru-RU" dirty="0"/>
           </a:p>
         </p:txBody>
       </p:sp>
@@ -5466,14 +5512,21 @@
         </p:nvSpPr>
         <p:spPr/>
         <p:txBody>
-          <a:bodyPr/>
-          <a:lstStyle/>
-          <a:p>
-            <a:r>
-              <a:rPr lang="ru-RU" dirty="0" smtClean="0"/>
+          <a:bodyPr>
+            <a:normAutofit/>
+          </a:bodyPr>
+          <a:lstStyle/>
+          <a:p>
+            <a:r>
+              <a:rPr lang="ru-RU" sz="4800" b="1" dirty="0">
+                <a:solidFill>
+                  <a:schemeClr val="accent6">
+                    <a:lumMod val="75000"/>
+                  </a:schemeClr>
+                </a:solidFill>
+              </a:rPr>
               <a:t>идея</a:t>
             </a:r>
-            <a:endParaRPr lang="ru-RU" dirty="0"/>
           </a:p>
         </p:txBody>
       </p:sp>
@@ -5517,28 +5570,87 @@
             <p:ph type="body" sz="half" idx="2"/>
           </p:nvPr>
         </p:nvSpPr>
-        <p:spPr/>
-        <p:txBody>
-          <a:bodyPr/>
-          <a:lstStyle/>
-          <a:p>
-            <a:r>
-              <a:rPr lang="ru-RU" dirty="0" smtClean="0"/>
+        <p:spPr>
+          <a:xfrm>
+            <a:off x="4722812" y="2777066"/>
+            <a:ext cx="6275040" cy="2633134"/>
+          </a:xfrm>
+        </p:spPr>
+        <p:txBody>
+          <a:bodyPr>
+            <a:noAutofit/>
+          </a:bodyPr>
+          <a:lstStyle/>
+          <a:p>
+            <a:r>
+              <a:rPr lang="ru-RU" sz="2400" dirty="0">
+                <a:solidFill>
+                  <a:schemeClr val="tx1"/>
+                </a:solidFill>
+              </a:rPr>
               <a:t>Придуманный нами телеграмм-бот позволяет одному или нескольким пользователям создавать различные списки</a:t>
             </a:r>
             <a:r>
-              <a:rPr lang="en-US" dirty="0" smtClean="0"/>
+              <a:rPr lang="en-US" sz="2400" dirty="0">
+                <a:solidFill>
+                  <a:schemeClr val="tx1"/>
+                </a:solidFill>
+              </a:rPr>
               <a:t>, </a:t>
             </a:r>
             <a:r>
-              <a:rPr lang="ru-RU" dirty="0" smtClean="0"/>
+              <a:rPr lang="ru-RU" sz="2400" dirty="0">
+                <a:solidFill>
+                  <a:schemeClr val="tx1"/>
+                </a:solidFill>
+              </a:rPr>
               <a:t>придумать каждому своё название и добавлять туда при необходимости разные позиции</a:t>
             </a:r>
             <a:r>
-              <a:rPr lang="en-US" dirty="0"/>
+              <a:rPr lang="en-US" sz="2400" dirty="0">
+                <a:solidFill>
+                  <a:schemeClr val="tx1"/>
+                </a:solidFill>
+              </a:rPr>
               <a:t>.</a:t>
             </a:r>
-            <a:endParaRPr lang="ru-RU" dirty="0"/>
+            <a:endParaRPr lang="ru-RU" sz="2400" dirty="0">
+              <a:solidFill>
+                <a:schemeClr val="tx1"/>
+              </a:solidFill>
+            </a:endParaRPr>
+          </a:p>
+        </p:txBody>
+      </p:sp>
+      <p:sp>
+        <p:nvSpPr>
+          <p:cNvPr id="2" name="TextBox 1">
+            <a:extLst>
+              <a:ext uri="{FF2B5EF4-FFF2-40B4-BE49-F238E27FC236}">
+                <a16:creationId xmlns:a16="http://schemas.microsoft.com/office/drawing/2014/main" id="{0BAD35EA-A95C-7DB2-9C79-630C616F1D4E}"/>
+              </a:ext>
+            </a:extLst>
+          </p:cNvPr>
+          <p:cNvSpPr txBox="1"/>
+          <p:nvPr/>
+        </p:nvSpPr>
+        <p:spPr>
+          <a:xfrm>
+            <a:off x="6463430" y="2104373"/>
+            <a:ext cx="184731" cy="369332"/>
+          </a:xfrm>
+          <a:prstGeom prst="rect">
+            <a:avLst/>
+          </a:prstGeom>
+          <a:noFill/>
+        </p:spPr>
+        <p:txBody>
+          <a:bodyPr wrap="none" rtlCol="0">
+            <a:spAutoFit/>
+          </a:bodyPr>
+          <a:lstStyle/>
+          <a:p>
+            <a:endParaRPr lang="ru-RU"/>
           </a:p>
         </p:txBody>
       </p:sp>
@@ -5589,14 +5701,21 @@
           </a:xfrm>
         </p:spPr>
         <p:txBody>
-          <a:bodyPr/>
-          <a:lstStyle/>
-          <a:p>
-            <a:r>
-              <a:rPr lang="ru-RU" dirty="0" smtClean="0"/>
+          <a:bodyPr>
+            <a:normAutofit/>
+          </a:bodyPr>
+          <a:lstStyle/>
+          <a:p>
+            <a:r>
+              <a:rPr lang="ru-RU" sz="4800" b="1" dirty="0">
+                <a:solidFill>
+                  <a:schemeClr val="accent6">
+                    <a:lumMod val="75000"/>
+                  </a:schemeClr>
+                </a:solidFill>
+              </a:rPr>
               <a:t>структура</a:t>
             </a:r>
-            <a:endParaRPr lang="ru-RU" dirty="0"/>
           </a:p>
         </p:txBody>
       </p:sp>
@@ -5612,31 +5731,195 @@
         </p:nvSpPr>
         <p:spPr>
           <a:xfrm>
-            <a:off x="712874" y="2206615"/>
-            <a:ext cx="6021388" cy="2048933"/>
+            <a:off x="712873" y="2206615"/>
+            <a:ext cx="5165413" cy="3807592"/>
           </a:xfrm>
         </p:spPr>
         <p:txBody>
-          <a:bodyPr/>
-          <a:lstStyle/>
-          <a:p>
-            <a:r>
-              <a:rPr lang="ru-RU" dirty="0" smtClean="0"/>
-              <a:t>В коде бота используется </a:t>
-            </a:r>
-            <a:r>
-              <a:rPr lang="ru-RU" dirty="0"/>
-              <a:t>модуль </a:t>
-            </a:r>
-            <a:r>
-              <a:rPr lang="en-US" dirty="0" err="1"/>
+          <a:bodyPr>
+            <a:noAutofit/>
+          </a:bodyPr>
+          <a:lstStyle/>
+          <a:p>
+            <a:r>
+              <a:rPr lang="ru-RU" sz="2400" b="1" dirty="0">
+                <a:solidFill>
+                  <a:schemeClr val="tx1"/>
+                </a:solidFill>
+              </a:rPr>
+              <a:t>Функционал:</a:t>
+            </a:r>
+            <a:endParaRPr lang="ru-RU" sz="2400" dirty="0">
+              <a:solidFill>
+                <a:schemeClr val="tx1"/>
+              </a:solidFill>
+            </a:endParaRPr>
+          </a:p>
+          <a:p>
+            <a:pPr marL="342900" indent="-342900">
+              <a:buFont typeface="Arial" panose="020B0604020202020204" pitchFamily="34" charset="0"/>
+              <a:buChar char="•"/>
+            </a:pPr>
+            <a:r>
+              <a:rPr lang="ru-RU" sz="2400" dirty="0">
+                <a:solidFill>
+                  <a:schemeClr val="tx1"/>
+                </a:solidFill>
+              </a:rPr>
+              <a:t>Создание/удаление списков</a:t>
+            </a:r>
+          </a:p>
+          <a:p>
+            <a:pPr marL="342900" indent="-342900">
+              <a:buFont typeface="Arial" panose="020B0604020202020204" pitchFamily="34" charset="0"/>
+              <a:buChar char="•"/>
+            </a:pPr>
+            <a:r>
+              <a:rPr lang="ru-RU" sz="2400" dirty="0">
+                <a:solidFill>
+                  <a:schemeClr val="tx1"/>
+                </a:solidFill>
+              </a:rPr>
+              <a:t>Добавление/отметка задач</a:t>
+            </a:r>
+          </a:p>
+          <a:p>
+            <a:pPr marL="342900" indent="-342900">
+              <a:buFont typeface="Arial" panose="020B0604020202020204" pitchFamily="34" charset="0"/>
+              <a:buChar char="•"/>
+            </a:pPr>
+            <a:r>
+              <a:rPr lang="ru-RU" sz="2400" dirty="0">
+                <a:solidFill>
+                  <a:schemeClr val="tx1"/>
+                </a:solidFill>
+              </a:rPr>
+              <a:t>Совместный доступ к спискам</a:t>
+            </a:r>
+          </a:p>
+          <a:p>
+            <a:pPr marL="342900" indent="-342900">
+              <a:buFont typeface="Arial" panose="020B0604020202020204" pitchFamily="34" charset="0"/>
+              <a:buChar char="•"/>
+            </a:pPr>
+            <a:r>
+              <a:rPr lang="ru-RU" sz="2400" dirty="0" err="1">
+                <a:solidFill>
+                  <a:schemeClr val="tx1"/>
+                </a:solidFill>
+              </a:rPr>
+              <a:t>Автосохранение</a:t>
+            </a:r>
+            <a:r>
+              <a:rPr lang="ru-RU" sz="2400" dirty="0">
+                <a:solidFill>
+                  <a:schemeClr val="tx1"/>
+                </a:solidFill>
+              </a:rPr>
+              <a:t> в базу данных</a:t>
+            </a:r>
+          </a:p>
+          <a:p>
+            <a:endParaRPr lang="ru-RU" sz="2000" b="1" dirty="0">
+              <a:solidFill>
+                <a:schemeClr val="bg1"/>
+              </a:solidFill>
+            </a:endParaRPr>
+          </a:p>
+        </p:txBody>
+      </p:sp>
+      <p:sp>
+        <p:nvSpPr>
+          <p:cNvPr id="5" name="TextBox 4">
+            <a:extLst>
+              <a:ext uri="{FF2B5EF4-FFF2-40B4-BE49-F238E27FC236}">
+                <a16:creationId xmlns:a16="http://schemas.microsoft.com/office/drawing/2014/main" id="{06694DF4-2D5D-729E-E567-F1311E376698}"/>
+              </a:ext>
+            </a:extLst>
+          </p:cNvPr>
+          <p:cNvSpPr txBox="1"/>
+          <p:nvPr/>
+        </p:nvSpPr>
+        <p:spPr>
+          <a:xfrm>
+            <a:off x="6096000" y="2206615"/>
+            <a:ext cx="4778829" cy="3046988"/>
+          </a:xfrm>
+          <a:prstGeom prst="rect">
+            <a:avLst/>
+          </a:prstGeom>
+          <a:noFill/>
+        </p:spPr>
+        <p:txBody>
+          <a:bodyPr wrap="square" rtlCol="0">
+            <a:spAutoFit/>
+          </a:bodyPr>
+          <a:lstStyle/>
+          <a:p>
+            <a:r>
+              <a:rPr lang="ru-RU" sz="2400" b="1" dirty="0"/>
+              <a:t>Технологии:</a:t>
+            </a:r>
+            <a:endParaRPr lang="ru-RU" sz="2400" dirty="0"/>
+          </a:p>
+          <a:p>
+            <a:pPr marL="342900" indent="-342900">
+              <a:buFont typeface="Arial" panose="020B0604020202020204" pitchFamily="34" charset="0"/>
+              <a:buChar char="•"/>
+            </a:pPr>
+            <a:r>
+              <a:rPr lang="en" sz="2400" dirty="0" err="1"/>
               <a:t>Aiogram</a:t>
             </a:r>
             <a:r>
-              <a:rPr lang="ru-RU" dirty="0"/>
-              <a:t>, база данных и большое количество библиотек, которые и являются основой бота.</a:t>
-            </a:r>
-            <a:endParaRPr lang="ru-RU" dirty="0"/>
+              <a:rPr lang="en" sz="2400" dirty="0"/>
+              <a:t> </a:t>
+            </a:r>
+            <a:endParaRPr lang="ru-RU" sz="2400" dirty="0"/>
+          </a:p>
+          <a:p>
+            <a:pPr marL="342900" indent="-342900">
+              <a:buFont typeface="Arial" panose="020B0604020202020204" pitchFamily="34" charset="0"/>
+              <a:buChar char="•"/>
+            </a:pPr>
+            <a:r>
+              <a:rPr lang="en" sz="2400" dirty="0"/>
+              <a:t>SQLite (</a:t>
+            </a:r>
+            <a:r>
+              <a:rPr lang="ru-RU" sz="2400" dirty="0"/>
+              <a:t>хранение данных)</a:t>
+            </a:r>
+          </a:p>
+          <a:p>
+            <a:r>
+              <a:rPr lang="ru-RU" sz="2400" b="1" dirty="0"/>
+              <a:t>Особенности:</a:t>
+            </a:r>
+            <a:endParaRPr lang="ru-RU" sz="2400" dirty="0"/>
+          </a:p>
+          <a:p>
+            <a:pPr marL="342900" indent="-342900">
+              <a:buFont typeface="Arial" panose="020B0604020202020204" pitchFamily="34" charset="0"/>
+              <a:buChar char="•"/>
+            </a:pPr>
+            <a:r>
+              <a:rPr lang="ru-RU" sz="2400" dirty="0"/>
+              <a:t>Удобные кнопки под сообщениями</a:t>
+            </a:r>
+          </a:p>
+          <a:p>
+            <a:pPr marL="342900" indent="-342900">
+              <a:buFont typeface="Arial" panose="020B0604020202020204" pitchFamily="34" charset="0"/>
+              <a:buChar char="•"/>
+            </a:pPr>
+            <a:r>
+              <a:rPr lang="ru-RU" sz="2400" dirty="0"/>
+              <a:t>Работает 24/7</a:t>
+            </a:r>
+          </a:p>
+          <a:p>
+            <a:endParaRPr lang="ru-RU" sz="2400" dirty="0"/>
           </a:p>
         </p:txBody>
       </p:sp>
@@ -5682,20 +5965,27 @@
         </p:nvSpPr>
         <p:spPr>
           <a:xfrm>
-            <a:off x="2868845" y="491455"/>
-            <a:ext cx="6019800" cy="1143000"/>
+            <a:off x="1688309" y="605755"/>
+            <a:ext cx="8382459" cy="1143000"/>
           </a:xfrm>
         </p:spPr>
         <p:txBody>
-          <a:bodyPr/>
+          <a:bodyPr>
+            <a:noAutofit/>
+          </a:bodyPr>
           <a:lstStyle/>
           <a:p>
             <a:pPr algn="ctr"/>
             <a:r>
-              <a:rPr lang="ru-RU" dirty="0" smtClean="0"/>
+              <a:rPr lang="ru-RU" sz="4800" b="1" dirty="0">
+                <a:solidFill>
+                  <a:schemeClr val="accent6">
+                    <a:lumMod val="75000"/>
+                  </a:schemeClr>
+                </a:solidFill>
+              </a:rPr>
               <a:t>заключение</a:t>
             </a:r>
-            <a:endParaRPr lang="ru-RU" dirty="0"/>
           </a:p>
         </p:txBody>
       </p:sp>
@@ -5711,51 +6001,136 @@
         </p:nvSpPr>
         <p:spPr>
           <a:xfrm>
-            <a:off x="2868845" y="1954945"/>
-            <a:ext cx="6021388" cy="2048933"/>
+            <a:off x="3014319" y="2046994"/>
+            <a:ext cx="6163362" cy="2764012"/>
           </a:xfrm>
         </p:spPr>
         <p:txBody>
-          <a:bodyPr/>
-          <a:lstStyle/>
-          <a:p>
-            <a:r>
-              <a:rPr lang="ru-RU" dirty="0" smtClean="0"/>
+          <a:bodyPr>
+            <a:noAutofit/>
+          </a:bodyPr>
+          <a:lstStyle/>
+          <a:p>
+            <a:r>
+              <a:rPr lang="ru-RU" sz="2400" dirty="0">
+                <a:solidFill>
+                  <a:schemeClr val="tx1"/>
+                </a:solidFill>
+              </a:rPr>
               <a:t>Данный бот будет полезен всем</a:t>
             </a:r>
             <a:r>
-              <a:rPr lang="en-US" dirty="0" smtClean="0"/>
+              <a:rPr lang="en-US" sz="2400" dirty="0">
+                <a:solidFill>
+                  <a:schemeClr val="tx1"/>
+                </a:solidFill>
+              </a:rPr>
               <a:t>, </a:t>
             </a:r>
             <a:r>
-              <a:rPr lang="ru-RU" dirty="0" smtClean="0"/>
+              <a:rPr lang="ru-RU" sz="2400" dirty="0">
+                <a:solidFill>
+                  <a:schemeClr val="tx1"/>
+                </a:solidFill>
+              </a:rPr>
               <a:t>кто нуждается в правильной организации своих задач</a:t>
             </a:r>
             <a:r>
-              <a:rPr lang="en-US" dirty="0" smtClean="0"/>
+              <a:rPr lang="en-US" sz="2400" dirty="0">
+                <a:solidFill>
+                  <a:schemeClr val="tx1"/>
+                </a:solidFill>
+              </a:rPr>
               <a:t>, </a:t>
             </a:r>
             <a:r>
-              <a:rPr lang="ru-RU" dirty="0" smtClean="0"/>
+              <a:rPr lang="ru-RU" sz="2400" dirty="0">
+                <a:solidFill>
+                  <a:schemeClr val="tx1"/>
+                </a:solidFill>
+              </a:rPr>
               <a:t>идей</a:t>
             </a:r>
             <a:r>
-              <a:rPr lang="en-US" dirty="0" smtClean="0"/>
+              <a:rPr lang="en-US" sz="2400" dirty="0">
+                <a:solidFill>
+                  <a:schemeClr val="tx1"/>
+                </a:solidFill>
+              </a:rPr>
               <a:t>, </a:t>
             </a:r>
             <a:r>
-              <a:rPr lang="ru-RU" dirty="0" smtClean="0"/>
+              <a:rPr lang="ru-RU" sz="2400" dirty="0">
+                <a:solidFill>
+                  <a:schemeClr val="tx1"/>
+                </a:solidFill>
+              </a:rPr>
               <a:t>времени</a:t>
             </a:r>
             <a:r>
-              <a:rPr lang="en-US" dirty="0" smtClean="0"/>
+              <a:rPr lang="en-US" sz="2400" dirty="0">
+                <a:solidFill>
+                  <a:schemeClr val="tx1"/>
+                </a:solidFill>
+              </a:rPr>
               <a:t>, </a:t>
             </a:r>
             <a:r>
-              <a:rPr lang="ru-RU" dirty="0" smtClean="0"/>
+              <a:rPr lang="ru-RU" sz="2400" dirty="0">
+                <a:solidFill>
+                  <a:schemeClr val="tx1"/>
+                </a:solidFill>
+              </a:rPr>
               <a:t>делая информацию в списках  более удобной для восприятия.</a:t>
             </a:r>
-            <a:endParaRPr lang="ru-RU" dirty="0"/>
+          </a:p>
+        </p:txBody>
+      </p:sp>
+      <p:sp>
+        <p:nvSpPr>
+          <p:cNvPr id="3" name="TextBox 2">
+            <a:extLst>
+              <a:ext uri="{FF2B5EF4-FFF2-40B4-BE49-F238E27FC236}">
+                <a16:creationId xmlns:a16="http://schemas.microsoft.com/office/drawing/2014/main" id="{609F579A-5AE3-84A9-4404-FD08B22CE2A4}"/>
+              </a:ext>
+            </a:extLst>
+          </p:cNvPr>
+          <p:cNvSpPr txBox="1"/>
+          <p:nvPr/>
+        </p:nvSpPr>
+        <p:spPr>
+          <a:xfrm>
+            <a:off x="2422071" y="4811006"/>
+            <a:ext cx="7347857" cy="1077218"/>
+          </a:xfrm>
+          <a:prstGeom prst="rect">
+            <a:avLst/>
+          </a:prstGeom>
+          <a:noFill/>
+        </p:spPr>
+        <p:txBody>
+          <a:bodyPr wrap="square" rtlCol="0">
+            <a:spAutoFit/>
+          </a:bodyPr>
+          <a:lstStyle/>
+          <a:p>
+            <a:pPr algn="ctr"/>
+            <a:r>
+              <a:rPr lang="ru-RU" sz="3200" dirty="0"/>
+              <a:t>Всё в </a:t>
+            </a:r>
+            <a:r>
+              <a:rPr lang="en" sz="3200" b="1" dirty="0"/>
+              <a:t>Telegram</a:t>
+            </a:r>
+            <a:r>
+              <a:rPr lang="en" sz="3200" dirty="0"/>
+              <a:t>, </a:t>
+            </a:r>
+            <a:r>
+              <a:rPr lang="ru-RU" sz="3200" dirty="0"/>
+              <a:t>без лишних приложений.</a:t>
+            </a:r>
           </a:p>
         </p:txBody>
       </p:sp>
